--- a/report/20170612/Li-20170508_.pptx
+++ b/report/20170612/Li-20170508_.pptx
@@ -224,7 +224,7 @@
           <a:p>
             <a:fld id="{A7047017-3F4D-4800-9B33-5B2A9DB7873C}" type="datetimeFigureOut">
               <a:rPr kumimoji="1" lang="ja-JP" altLang="en-US" smtClean="0"/>
-              <a:t>2017/6/8</a:t>
+              <a:t>2017/6/12</a:t>
             </a:fld>
             <a:endParaRPr kumimoji="1" lang="ja-JP" altLang="en-US"/>
           </a:p>
@@ -389,7 +389,7 @@
           <a:p>
             <a:fld id="{4EE61553-47AE-49F4-A30A-FEA3F4C5BB3B}" type="datetimeFigureOut">
               <a:rPr kumimoji="1" lang="ja-JP" altLang="en-US" smtClean="0"/>
-              <a:t>2017/6/8</a:t>
+              <a:t>2017/6/12</a:t>
             </a:fld>
             <a:endParaRPr kumimoji="1" lang="ja-JP" altLang="en-US"/>
           </a:p>
@@ -904,7 +904,7 @@
           <a:p>
             <a:fld id="{A8E4C931-648D-4F19-A7E9-4215BE8EB453}" type="datetime1">
               <a:rPr kumimoji="1" lang="ja-JP" altLang="en-US" smtClean="0"/>
-              <a:t>2017/6/8</a:t>
+              <a:t>2017/6/12</a:t>
             </a:fld>
             <a:endParaRPr kumimoji="1" lang="ja-JP" altLang="en-US"/>
           </a:p>
@@ -1106,7 +1106,7 @@
           <a:p>
             <a:fld id="{66996EC0-4E43-4FF5-933C-8728087BB85F}" type="datetime1">
               <a:rPr kumimoji="1" lang="ja-JP" altLang="en-US" smtClean="0"/>
-              <a:t>2017/6/8</a:t>
+              <a:t>2017/6/12</a:t>
             </a:fld>
             <a:endParaRPr kumimoji="1" lang="ja-JP" altLang="en-US"/>
           </a:p>
@@ -1318,7 +1318,7 @@
           <a:p>
             <a:fld id="{C2F28B55-76C5-4689-9D3B-072D0666FEF8}" type="datetime1">
               <a:rPr kumimoji="1" lang="ja-JP" altLang="en-US" smtClean="0"/>
-              <a:t>2017/6/8</a:t>
+              <a:t>2017/6/12</a:t>
             </a:fld>
             <a:endParaRPr kumimoji="1" lang="ja-JP" altLang="en-US"/>
           </a:p>
@@ -1520,7 +1520,7 @@
           <a:p>
             <a:fld id="{590AF857-1170-4F41-B12E-ABF113777648}" type="datetime1">
               <a:rPr kumimoji="1" lang="ja-JP" altLang="en-US" smtClean="0"/>
-              <a:t>2017/6/8</a:t>
+              <a:t>2017/6/12</a:t>
             </a:fld>
             <a:endParaRPr kumimoji="1" lang="ja-JP" altLang="en-US"/>
           </a:p>
@@ -1764,7 +1764,7 @@
           <a:p>
             <a:fld id="{00B44318-77C3-4220-BCFC-4622BF0AADB9}" type="datetime1">
               <a:rPr kumimoji="1" lang="ja-JP" altLang="en-US" smtClean="0"/>
-              <a:t>2017/6/8</a:t>
+              <a:t>2017/6/12</a:t>
             </a:fld>
             <a:endParaRPr kumimoji="1" lang="ja-JP" altLang="en-US"/>
           </a:p>
@@ -2060,7 +2060,7 @@
           <a:p>
             <a:fld id="{6E811334-7932-403E-9818-0031037B27BC}" type="datetime1">
               <a:rPr kumimoji="1" lang="ja-JP" altLang="en-US" smtClean="0"/>
-              <a:t>2017/6/8</a:t>
+              <a:t>2017/6/12</a:t>
             </a:fld>
             <a:endParaRPr kumimoji="1" lang="ja-JP" altLang="en-US"/>
           </a:p>
@@ -2491,7 +2491,7 @@
           <a:p>
             <a:fld id="{8F846AA7-D6AC-483B-B59F-B92B33580718}" type="datetime1">
               <a:rPr kumimoji="1" lang="ja-JP" altLang="en-US" smtClean="0"/>
-              <a:t>2017/6/8</a:t>
+              <a:t>2017/6/12</a:t>
             </a:fld>
             <a:endParaRPr kumimoji="1" lang="ja-JP" altLang="en-US"/>
           </a:p>
@@ -2609,7 +2609,7 @@
           <a:p>
             <a:fld id="{4C92AB63-8332-4105-A8E8-92D9FFE45080}" type="datetime1">
               <a:rPr kumimoji="1" lang="ja-JP" altLang="en-US" smtClean="0"/>
-              <a:t>2017/6/8</a:t>
+              <a:t>2017/6/12</a:t>
             </a:fld>
             <a:endParaRPr kumimoji="1" lang="ja-JP" altLang="en-US"/>
           </a:p>
@@ -2704,7 +2704,7 @@
           <a:p>
             <a:fld id="{C497F610-1513-4196-8905-051CB72780E2}" type="datetime1">
               <a:rPr kumimoji="1" lang="ja-JP" altLang="en-US" smtClean="0"/>
-              <a:t>2017/6/8</a:t>
+              <a:t>2017/6/12</a:t>
             </a:fld>
             <a:endParaRPr kumimoji="1" lang="ja-JP" altLang="en-US"/>
           </a:p>
@@ -3013,7 +3013,7 @@
           <a:p>
             <a:fld id="{784F99A3-628B-475C-AC88-0DCEBFCBE43E}" type="datetime1">
               <a:rPr kumimoji="1" lang="ja-JP" altLang="en-US" smtClean="0"/>
-              <a:t>2017/6/8</a:t>
+              <a:t>2017/6/12</a:t>
             </a:fld>
             <a:endParaRPr kumimoji="1" lang="ja-JP" altLang="en-US"/>
           </a:p>
@@ -3270,7 +3270,7 @@
           <a:p>
             <a:fld id="{993E26B5-C4B8-4F0A-BA8D-9718B829FC64}" type="datetime1">
               <a:rPr kumimoji="1" lang="ja-JP" altLang="en-US" smtClean="0"/>
-              <a:t>2017/6/8</a:t>
+              <a:t>2017/6/12</a:t>
             </a:fld>
             <a:endParaRPr kumimoji="1" lang="ja-JP" altLang="en-US"/>
           </a:p>
@@ -3515,7 +3515,7 @@
           <a:p>
             <a:fld id="{3AC474DA-14F1-4050-95A4-F0689030D4A9}" type="datetime1">
               <a:rPr kumimoji="1" lang="ja-JP" altLang="en-US" smtClean="0"/>
-              <a:t>2017/6/8</a:t>
+              <a:t>2017/6/12</a:t>
             </a:fld>
             <a:endParaRPr kumimoji="1" lang="ja-JP" altLang="en-US"/>
           </a:p>
@@ -6284,11 +6284,7 @@
           <a:p>
             <a:r>
               <a:rPr lang="ja-JP" altLang="en-US" sz="2000" dirty="0" smtClean="0"/>
-              <a:t>最初</a:t>
-            </a:r>
-            <a:r>
-              <a:rPr lang="ja-JP" altLang="en-US" sz="2000" dirty="0" smtClean="0"/>
-              <a:t>のカメラと末尾</a:t>
+              <a:t>最初のカメラと末尾</a:t>
             </a:r>
             <a:r>
               <a:rPr lang="ja-JP" altLang="en-US" sz="2000" dirty="0"/>
@@ -6296,11 +6292,7 @@
             </a:r>
             <a:r>
               <a:rPr lang="ja-JP" altLang="en-US" sz="2000" dirty="0" smtClean="0"/>
-              <a:t>復元された</a:t>
-            </a:r>
-            <a:r>
-              <a:rPr lang="ja-JP" altLang="en-US" sz="2000" dirty="0" smtClean="0"/>
-              <a:t>点群を取り出す。</a:t>
+              <a:t>復元された点群を取り出す。</a:t>
             </a:r>
             <a:endParaRPr lang="en-US" altLang="ja-JP" sz="2000" dirty="0" smtClean="0"/>
           </a:p>
@@ -8686,11 +8678,7 @@
             </a:r>
             <a:r>
               <a:rPr lang="ja-JP" altLang="en-US" dirty="0" smtClean="0"/>
-              <a:t>探す</a:t>
-            </a:r>
-            <a:r>
-              <a:rPr lang="ja-JP" altLang="en-US" dirty="0" smtClean="0"/>
-              <a:t>方法</a:t>
+              <a:t>探す方法</a:t>
             </a:r>
             <a:endParaRPr lang="en-US" altLang="ja-JP" dirty="0"/>
           </a:p>
@@ -8701,11 +8689,7 @@
             </a:r>
             <a:r>
               <a:rPr lang="ja-JP" altLang="en-US" dirty="0" smtClean="0"/>
-              <a:t>アルゴリズムを用いて、二つ点群</a:t>
-            </a:r>
-            <a:r>
-              <a:rPr lang="ja-JP" altLang="en-US" dirty="0" smtClean="0"/>
-              <a:t>の位置合わせを行う。</a:t>
+              <a:t>アルゴリズムを用いて、二つ点群の位置合わせを行う。</a:t>
             </a:r>
             <a:endParaRPr lang="en-US" altLang="ja-JP" dirty="0" smtClean="0"/>
           </a:p>
@@ -8897,7 +8881,10 @@
             <a:endParaRPr kumimoji="1" lang="en-US" altLang="ja-JP" dirty="0"/>
           </a:p>
           <a:p>
-            <a:endParaRPr lang="en-US" altLang="ja-JP" dirty="0" smtClean="0"/>
+            <a:pPr marL="0" indent="0">
+              <a:buNone/>
+            </a:pPr>
+            <a:endParaRPr lang="en-US" altLang="ja-JP" dirty="0"/>
           </a:p>
           <a:p>
             <a:pPr marL="0" indent="0">
@@ -8952,8 +8939,151 @@
                   <a:prstClr val="black"/>
                 </a:solidFill>
               </a:rPr>
-              <a:t>パターンを投影した。</a:t>
-            </a:r>
+              <a:t>パターンを投影した</a:t>
+            </a:r>
+            <a:r>
+              <a:rPr lang="ja-JP" altLang="en-US" sz="1800" dirty="0" smtClean="0">
+                <a:solidFill>
+                  <a:prstClr val="black"/>
+                </a:solidFill>
+              </a:rPr>
+              <a:t>。</a:t>
+            </a:r>
+            <a:endParaRPr lang="en-US" altLang="ja-JP" sz="1800" dirty="0" smtClean="0">
+              <a:solidFill>
+                <a:prstClr val="black"/>
+              </a:solidFill>
+            </a:endParaRPr>
+          </a:p>
+          <a:p>
+            <a:pPr lvl="0"/>
+            <a:r>
+              <a:rPr lang="en-US" altLang="zh-CN" dirty="0" smtClean="0">
+                <a:solidFill>
+                  <a:prstClr val="black"/>
+                </a:solidFill>
+              </a:rPr>
+              <a:t>ICP</a:t>
+            </a:r>
+            <a:r>
+              <a:rPr lang="ja-JP" altLang="en-US" dirty="0" smtClean="0">
+                <a:solidFill>
+                  <a:prstClr val="black"/>
+                </a:solidFill>
+              </a:rPr>
+              <a:t>の結果（</a:t>
+            </a:r>
+            <a:r>
+              <a:rPr lang="en-US" altLang="ja-JP" dirty="0">
+                <a:solidFill>
+                  <a:prstClr val="black"/>
+                </a:solidFill>
+              </a:rPr>
+              <a:t>Box</a:t>
+            </a:r>
+            <a:r>
+              <a:rPr lang="ja-JP" altLang="en-US" dirty="0" smtClean="0">
+                <a:solidFill>
+                  <a:prstClr val="black"/>
+                </a:solidFill>
+              </a:rPr>
+              <a:t>）</a:t>
+            </a:r>
+            <a:endParaRPr lang="en-US" altLang="ja-JP" dirty="0" smtClean="0">
+              <a:solidFill>
+                <a:prstClr val="black"/>
+              </a:solidFill>
+            </a:endParaRPr>
+          </a:p>
+          <a:p>
+            <a:pPr lvl="0"/>
+            <a:r>
+              <a:rPr lang="ja-JP" altLang="en-US" sz="1800" dirty="0">
+                <a:solidFill>
+                  <a:prstClr val="black"/>
+                </a:solidFill>
+              </a:rPr>
+              <a:t>赤い</a:t>
+            </a:r>
+            <a:r>
+              <a:rPr lang="ja-JP" altLang="en-US" sz="1800" dirty="0" smtClean="0">
+                <a:solidFill>
+                  <a:prstClr val="black"/>
+                </a:solidFill>
+              </a:rPr>
+              <a:t>点：カメラ１の点群（</a:t>
+            </a:r>
+            <a:r>
+              <a:rPr lang="en-US" altLang="ja-JP" sz="1800" dirty="0" smtClean="0">
+                <a:solidFill>
+                  <a:prstClr val="black"/>
+                </a:solidFill>
+              </a:rPr>
+              <a:t>26374</a:t>
+            </a:r>
+            <a:r>
+              <a:rPr lang="ja-JP" altLang="en-US" sz="1800" dirty="0" smtClean="0">
+                <a:solidFill>
+                  <a:prstClr val="black"/>
+                </a:solidFill>
+              </a:rPr>
+              <a:t>）</a:t>
+            </a:r>
+            <a:endParaRPr lang="en-US" altLang="ja-JP" sz="1800" dirty="0" smtClean="0">
+              <a:solidFill>
+                <a:prstClr val="black"/>
+              </a:solidFill>
+            </a:endParaRPr>
+          </a:p>
+          <a:p>
+            <a:pPr lvl="0"/>
+            <a:r>
+              <a:rPr lang="ja-JP" altLang="en-US" sz="1800" dirty="0" smtClean="0">
+                <a:solidFill>
+                  <a:prstClr val="black"/>
+                </a:solidFill>
+              </a:rPr>
+              <a:t>黄色の点：カメラ</a:t>
+            </a:r>
+            <a:r>
+              <a:rPr lang="en-US" altLang="ja-JP" sz="1800" dirty="0" smtClean="0">
+                <a:solidFill>
+                  <a:prstClr val="black"/>
+                </a:solidFill>
+              </a:rPr>
+              <a:t>N</a:t>
+            </a:r>
+            <a:r>
+              <a:rPr lang="ja-JP" altLang="en-US" sz="1800" dirty="0" smtClean="0">
+                <a:solidFill>
+                  <a:prstClr val="black"/>
+                </a:solidFill>
+              </a:rPr>
+              <a:t>の点群（</a:t>
+            </a:r>
+            <a:r>
+              <a:rPr lang="en-US" altLang="ja-JP" sz="1800" dirty="0" smtClean="0">
+                <a:solidFill>
+                  <a:prstClr val="black"/>
+                </a:solidFill>
+              </a:rPr>
+              <a:t>1150</a:t>
+            </a:r>
+            <a:r>
+              <a:rPr lang="ja-JP" altLang="en-US" sz="1800" dirty="0" smtClean="0">
+                <a:solidFill>
+                  <a:prstClr val="black"/>
+                </a:solidFill>
+              </a:rPr>
+              <a:t>）</a:t>
+            </a:r>
+            <a:endParaRPr lang="en-US" altLang="ja-JP" sz="1800" dirty="0">
+              <a:solidFill>
+                <a:prstClr val="black"/>
+              </a:solidFill>
+            </a:endParaRPr>
+          </a:p>
+          <a:p>
             <a:endParaRPr lang="en-US" altLang="ja-JP" sz="1800" dirty="0" smtClean="0"/>
           </a:p>
         </p:txBody>
@@ -8961,6 +9091,36 @@
       <p:pic>
         <p:nvPicPr>
           <p:cNvPr id="10" name="図 9"/>
+          <p:cNvPicPr>
+            <a:picLocks noChangeAspect="1"/>
+          </p:cNvPicPr>
+          <p:nvPr/>
+        </p:nvPicPr>
+        <p:blipFill>
+          <a:blip r:embed="rId2" cstate="print">
+            <a:extLst>
+              <a:ext uri="{28A0092B-C50C-407E-A947-70E740481C1C}">
+                <a14:useLocalDpi xmlns:a14="http://schemas.microsoft.com/office/drawing/2010/main" val="0"/>
+              </a:ext>
+            </a:extLst>
+          </a:blip>
+          <a:stretch>
+            <a:fillRect/>
+          </a:stretch>
+        </p:blipFill>
+        <p:spPr>
+          <a:xfrm>
+            <a:off x="5011429" y="2455287"/>
+            <a:ext cx="1897956" cy="1067601"/>
+          </a:xfrm>
+          <a:prstGeom prst="rect">
+            <a:avLst/>
+          </a:prstGeom>
+        </p:spPr>
+      </p:pic>
+      <p:pic>
+        <p:nvPicPr>
+          <p:cNvPr id="14" name="図 13"/>
           <p:cNvPicPr>
             <a:picLocks noChangeAspect="1"/>
           </p:cNvPicPr>
@@ -8980,93 +9140,6 @@
         </p:blipFill>
         <p:spPr>
           <a:xfrm>
-            <a:off x="5011429" y="2455287"/>
-            <a:ext cx="1897956" cy="1067601"/>
-          </a:xfrm>
-          <a:prstGeom prst="rect">
-            <a:avLst/>
-          </a:prstGeom>
-        </p:spPr>
-      </p:pic>
-      <p:graphicFrame>
-        <p:nvGraphicFramePr>
-          <p:cNvPr id="12" name="オブジェクト 11"/>
-          <p:cNvGraphicFramePr>
-            <a:graphicFrameLocks noChangeAspect="1"/>
-          </p:cNvGraphicFramePr>
-          <p:nvPr>
-            <p:extLst>
-              <p:ext uri="{D42A27DB-BD31-4B8C-83A1-F6EECF244321}">
-                <p14:modId xmlns:p14="http://schemas.microsoft.com/office/powerpoint/2010/main" val="624602537"/>
-              </p:ext>
-            </p:extLst>
-          </p:nvPr>
-        </p:nvGraphicFramePr>
-        <p:xfrm>
-          <a:off x="184150" y="184150"/>
-          <a:ext cx="731838" cy="557213"/>
-        </p:xfrm>
-        <a:graphic>
-          <a:graphicData uri="http://schemas.openxmlformats.org/presentationml/2006/ole">
-            <mc:AlternateContent xmlns:mc="http://schemas.openxmlformats.org/markup-compatibility/2006">
-              <mc:Choice xmlns:v="urn:schemas-microsoft-com:vml" Requires="v">
-                <p:oleObj spid="_x0000_s1027" name="パッケージャー シェル オブジェクト" showAsIcon="1" r:id="rId4" imgW="732240" imgH="557280" progId="Package">
-                  <p:embed/>
-                </p:oleObj>
-              </mc:Choice>
-              <mc:Fallback>
-                <p:oleObj name="パッケージャー シェル オブジェクト" showAsIcon="1" r:id="rId4" imgW="732240" imgH="557280" progId="Package">
-                  <p:embed/>
-                  <p:pic>
-                    <p:nvPicPr>
-                      <p:cNvPr id="0" name=""/>
-                      <p:cNvPicPr/>
-                      <p:nvPr/>
-                    </p:nvPicPr>
-                    <p:blipFill>
-                      <a:blip r:embed="rId5"/>
-                      <a:stretch>
-                        <a:fillRect/>
-                      </a:stretch>
-                    </p:blipFill>
-                    <p:spPr>
-                      <a:xfrm>
-                        <a:off x="184150" y="184150"/>
-                        <a:ext cx="731838" cy="557213"/>
-                      </a:xfrm>
-                      <a:prstGeom prst="rect">
-                        <a:avLst/>
-                      </a:prstGeom>
-                    </p:spPr>
-                  </p:pic>
-                </p:oleObj>
-              </mc:Fallback>
-            </mc:AlternateContent>
-          </a:graphicData>
-        </a:graphic>
-      </p:graphicFrame>
-      <p:pic>
-        <p:nvPicPr>
-          <p:cNvPr id="14" name="図 13"/>
-          <p:cNvPicPr>
-            <a:picLocks noChangeAspect="1"/>
-          </p:cNvPicPr>
-          <p:nvPr/>
-        </p:nvPicPr>
-        <p:blipFill>
-          <a:blip r:embed="rId6" cstate="print">
-            <a:extLst>
-              <a:ext uri="{28A0092B-C50C-407E-A947-70E740481C1C}">
-                <a14:useLocalDpi xmlns:a14="http://schemas.microsoft.com/office/drawing/2010/main" val="0"/>
-              </a:ext>
-            </a:extLst>
-          </a:blip>
-          <a:stretch>
-            <a:fillRect/>
-          </a:stretch>
-        </p:blipFill>
-        <p:spPr>
-          <a:xfrm>
             <a:off x="2820040" y="2455288"/>
             <a:ext cx="1897955" cy="1067600"/>
           </a:xfrm>
@@ -9084,7 +9157,7 @@
           <p:nvPr/>
         </p:nvPicPr>
         <p:blipFill>
-          <a:blip r:embed="rId7" cstate="print">
+          <a:blip r:embed="rId4" cstate="print">
             <a:extLst>
               <a:ext uri="{28A0092B-C50C-407E-A947-70E740481C1C}">
                 <a14:useLocalDpi xmlns:a14="http://schemas.microsoft.com/office/drawing/2010/main" val="0"/>
@@ -9099,6 +9172,36 @@
           <a:xfrm>
             <a:off x="628650" y="2455287"/>
             <a:ext cx="1897956" cy="1067600"/>
+          </a:xfrm>
+          <a:prstGeom prst="rect">
+            <a:avLst/>
+          </a:prstGeom>
+        </p:spPr>
+      </p:pic>
+      <p:pic>
+        <p:nvPicPr>
+          <p:cNvPr id="3" name="図 2"/>
+          <p:cNvPicPr>
+            <a:picLocks noChangeAspect="1"/>
+          </p:cNvPicPr>
+          <p:nvPr/>
+        </p:nvPicPr>
+        <p:blipFill>
+          <a:blip r:embed="rId5" cstate="print">
+            <a:extLst>
+              <a:ext uri="{28A0092B-C50C-407E-A947-70E740481C1C}">
+                <a14:useLocalDpi xmlns:a14="http://schemas.microsoft.com/office/drawing/2010/main" val="0"/>
+              </a:ext>
+            </a:extLst>
+          </a:blip>
+          <a:stretch>
+            <a:fillRect/>
+          </a:stretch>
+        </p:blipFill>
+        <p:spPr>
+          <a:xfrm>
+            <a:off x="4600333" y="4279111"/>
+            <a:ext cx="2720148" cy="1829696"/>
           </a:xfrm>
           <a:prstGeom prst="rect">
             <a:avLst/>
